--- a/Assets/Aktivitaetsdiagramme.pptx
+++ b/Assets/Aktivitaetsdiagramme.pptx
@@ -3574,7 +3574,7 @@
             <a:pPr algn="ctr"/>
             <a:r>
               <a:rPr lang="de-DE" sz="1200" dirty="0" smtClean="0"/>
-              <a:t>Push -Ablauf</a:t>
+              <a:t>Kommunizieren mittels Push</a:t>
             </a:r>
             <a:endParaRPr lang="de-DE" sz="1200" dirty="0"/>
           </a:p>
@@ -3616,7 +3616,7 @@
             <a:pPr algn="ctr"/>
             <a:r>
               <a:rPr lang="de-DE" sz="1200" dirty="0" smtClean="0"/>
-              <a:t>File -Ablauf</a:t>
+              <a:t>Kommunizieren über Files</a:t>
             </a:r>
             <a:endParaRPr lang="de-DE" sz="1200" dirty="0"/>
           </a:p>
@@ -3799,10 +3799,10 @@
           <a:p>
             <a:pPr algn="ctr"/>
             <a:r>
-              <a:rPr lang="de-DE" sz="1200" dirty="0" smtClean="0"/>
-              <a:t>Entscheidung ob File oder Push</a:t>
-            </a:r>
-            <a:endParaRPr lang="de-DE" sz="1200" dirty="0"/>
+              <a:rPr lang="de-DE" sz="1000" dirty="0" smtClean="0"/>
+              <a:t>Entscheiden, ob Push oder File-Kommunikation verwendet wird</a:t>
+            </a:r>
+            <a:endParaRPr lang="de-DE" sz="1000" dirty="0"/>
           </a:p>
         </p:txBody>
       </p:sp>
@@ -3830,8 +3830,12 @@
           <a:p>
             <a:pPr algn="ctr"/>
             <a:r>
+              <a:rPr lang="en-US" sz="3200" b="1" dirty="0" smtClean="0"/>
+              <a:t>Spiel </a:t>
+            </a:r>
+            <a:r>
               <a:rPr lang="en-US" sz="3200" b="1" dirty="0" err="1" smtClean="0"/>
-              <a:t>Spielablauf</a:t>
+              <a:t>spielen</a:t>
             </a:r>
             <a:endParaRPr lang="en-US" sz="3200" b="1" dirty="0"/>
           </a:p>
@@ -3873,7 +3877,11 @@
             <a:pPr algn="ctr"/>
             <a:r>
               <a:rPr lang="de-DE" sz="1200" dirty="0" smtClean="0"/>
-              <a:t>Satz -Ablauf</a:t>
+              <a:t>Satz </a:t>
+            </a:r>
+            <a:r>
+              <a:rPr lang="de-DE" sz="1200" dirty="0" smtClean="0"/>
+              <a:t>spielen</a:t>
             </a:r>
             <a:endParaRPr lang="de-DE" sz="1200" dirty="0"/>
           </a:p>
@@ -3915,7 +3923,19 @@
             <a:pPr algn="ctr"/>
             <a:r>
               <a:rPr lang="de-DE" sz="1200" dirty="0" smtClean="0"/>
-              <a:t>Spiel Ergebnis in DB speichern</a:t>
+              <a:t>Spielergebnis </a:t>
+            </a:r>
+            <a:r>
+              <a:rPr lang="de-DE" sz="1200" dirty="0" smtClean="0"/>
+              <a:t>in </a:t>
+            </a:r>
+            <a:r>
+              <a:rPr lang="de-DE" sz="1200" dirty="0" smtClean="0"/>
+              <a:t>Datenbank </a:t>
+            </a:r>
+            <a:r>
+              <a:rPr lang="de-DE" sz="1200" dirty="0" smtClean="0"/>
+              <a:t>speichern</a:t>
             </a:r>
             <a:endParaRPr lang="de-DE" sz="1200" dirty="0"/>
           </a:p>
@@ -3957,7 +3977,7 @@
             <a:pPr algn="ctr"/>
             <a:r>
               <a:rPr lang="de-DE" sz="1200" dirty="0" smtClean="0"/>
-              <a:t>Spiel Ende? </a:t>
+              <a:t>Satz beendet </a:t>
             </a:r>
             <a:endParaRPr lang="de-DE" sz="1200" dirty="0"/>
           </a:p>
@@ -4376,7 +4396,7 @@
         </p:nvSpPr>
         <p:spPr>
           <a:xfrm>
-            <a:off x="1473178" y="346244"/>
+            <a:off x="1269978" y="392626"/>
             <a:ext cx="7680960" cy="584775"/>
           </a:xfrm>
           <a:prstGeom prst="rect">
@@ -4393,7 +4413,15 @@
             <a:pPr algn="ctr"/>
             <a:r>
               <a:rPr lang="en-US" sz="3200" b="1" dirty="0" err="1" smtClean="0"/>
-              <a:t>Satzablauf</a:t>
+              <a:t>Satz</a:t>
+            </a:r>
+            <a:r>
+              <a:rPr lang="en-US" sz="3200" b="1" dirty="0" smtClean="0"/>
+              <a:t> </a:t>
+            </a:r>
+            <a:r>
+              <a:rPr lang="en-US" sz="3200" b="1" dirty="0" err="1" smtClean="0"/>
+              <a:t>spielen</a:t>
             </a:r>
             <a:endParaRPr lang="en-US" sz="3200" b="1" dirty="0"/>
           </a:p>
@@ -4435,7 +4463,7 @@
             <a:pPr algn="ctr"/>
             <a:r>
               <a:rPr lang="de-DE" sz="1200" dirty="0" smtClean="0"/>
-              <a:t>Zugablauf</a:t>
+              <a:t>Zug spielen</a:t>
             </a:r>
             <a:endParaRPr lang="de-DE" sz="1200" dirty="0"/>
           </a:p>
@@ -4449,7 +4477,7 @@
         </p:nvSpPr>
         <p:spPr>
           <a:xfrm>
-            <a:off x="3939969" y="5032393"/>
+            <a:off x="3939969" y="4739871"/>
             <a:ext cx="2520000" cy="540000"/>
           </a:xfrm>
           <a:prstGeom prst="diamond">
@@ -4478,8 +4506,16 @@
           <a:p>
             <a:pPr algn="ctr"/>
             <a:r>
-              <a:rPr lang="de-DE" sz="1200" smtClean="0"/>
-              <a:t>Satz Ende? </a:t>
+              <a:rPr lang="de-DE" sz="1200" dirty="0" smtClean="0"/>
+              <a:t>Satz </a:t>
+            </a:r>
+            <a:r>
+              <a:rPr lang="de-DE" sz="1200" dirty="0" smtClean="0"/>
+              <a:t>beendet</a:t>
+            </a:r>
+            <a:r>
+              <a:rPr lang="de-DE" sz="1200" dirty="0" smtClean="0"/>
+              <a:t>? </a:t>
             </a:r>
             <a:endParaRPr lang="de-DE" sz="1200" dirty="0"/>
           </a:p>
@@ -4497,7 +4533,7 @@
         <p:spPr>
           <a:xfrm flipH="1" flipV="1">
             <a:off x="6279969" y="3904715"/>
-            <a:ext cx="180000" cy="1397678"/>
+            <a:ext cx="180000" cy="1105156"/>
           </a:xfrm>
           <a:prstGeom prst="bentConnector3">
             <a:avLst>
@@ -4535,7 +4571,7 @@
         <p:spPr>
           <a:xfrm>
             <a:off x="5199969" y="4084715"/>
-            <a:ext cx="0" cy="947678"/>
+            <a:ext cx="0" cy="655156"/>
           </a:xfrm>
           <a:prstGeom prst="straightConnector1">
             <a:avLst/>
@@ -4599,14 +4635,15 @@
         <p:nvCxnSpPr>
           <p:cNvPr id="187" name="Straight Arrow Connector 186"/>
           <p:cNvCxnSpPr>
+            <a:stCxn id="17" idx="2"/>
             <a:endCxn id="18" idx="0"/>
           </p:cNvCxnSpPr>
           <p:nvPr/>
         </p:nvCxnSpPr>
         <p:spPr>
           <a:xfrm>
-            <a:off x="5199969" y="5472311"/>
-            <a:ext cx="0" cy="462717"/>
+            <a:off x="5199969" y="5935027"/>
+            <a:ext cx="0" cy="242814"/>
           </a:xfrm>
           <a:prstGeom prst="straightConnector1">
             <a:avLst/>
@@ -4638,7 +4675,7 @@
         </p:nvGrpSpPr>
         <p:grpSpPr>
           <a:xfrm>
-            <a:off x="4965969" y="5935028"/>
+            <a:off x="4965969" y="6177841"/>
             <a:ext cx="468000" cy="468000"/>
             <a:chOff x="4965969" y="5935028"/>
             <a:chExt cx="468000" cy="468000"/>
@@ -4729,6 +4766,84 @@
           </p:txBody>
         </p:sp>
       </p:grpSp>
+      <p:sp>
+        <p:nvSpPr>
+          <p:cNvPr id="17" name="Rounded Rectangle 16"/>
+          <p:cNvSpPr/>
+          <p:nvPr/>
+        </p:nvSpPr>
+        <p:spPr>
+          <a:xfrm>
+            <a:off x="4119969" y="5575027"/>
+            <a:ext cx="2160000" cy="360000"/>
+          </a:xfrm>
+          <a:prstGeom prst="roundRect">
+            <a:avLst/>
+          </a:prstGeom>
+        </p:spPr>
+        <p:style>
+          <a:lnRef idx="2">
+            <a:schemeClr val="accent5"/>
+          </a:lnRef>
+          <a:fillRef idx="1">
+            <a:schemeClr val="lt1"/>
+          </a:fillRef>
+          <a:effectRef idx="0">
+            <a:schemeClr val="accent5"/>
+          </a:effectRef>
+          <a:fontRef idx="minor">
+            <a:schemeClr val="dk1"/>
+          </a:fontRef>
+        </p:style>
+        <p:txBody>
+          <a:bodyPr rtlCol="0" anchor="ctr"/>
+          <a:lstStyle/>
+          <a:p>
+            <a:pPr algn="ctr"/>
+            <a:r>
+              <a:rPr lang="de-DE" sz="1200" dirty="0" smtClean="0"/>
+              <a:t>Satzergebnis in Datenbank speichern</a:t>
+            </a:r>
+            <a:endParaRPr lang="de-DE" sz="1200" dirty="0"/>
+          </a:p>
+        </p:txBody>
+      </p:sp>
+      <p:cxnSp>
+        <p:nvCxnSpPr>
+          <p:cNvPr id="20" name="Straight Arrow Connector 19"/>
+          <p:cNvCxnSpPr>
+            <a:stCxn id="152" idx="2"/>
+            <a:endCxn id="17" idx="0"/>
+          </p:cNvCxnSpPr>
+          <p:nvPr/>
+        </p:nvCxnSpPr>
+        <p:spPr>
+          <a:xfrm>
+            <a:off x="5199969" y="5279871"/>
+            <a:ext cx="0" cy="295156"/>
+          </a:xfrm>
+          <a:prstGeom prst="straightConnector1">
+            <a:avLst/>
+          </a:prstGeom>
+          <a:ln>
+            <a:tailEnd type="triangle"/>
+          </a:ln>
+        </p:spPr>
+        <p:style>
+          <a:lnRef idx="1">
+            <a:schemeClr val="accent1"/>
+          </a:lnRef>
+          <a:fillRef idx="0">
+            <a:schemeClr val="accent1"/>
+          </a:fillRef>
+          <a:effectRef idx="0">
+            <a:schemeClr val="accent1"/>
+          </a:effectRef>
+          <a:fontRef idx="minor">
+            <a:schemeClr val="tx1"/>
+          </a:fontRef>
+        </p:style>
+      </p:cxnSp>
     </p:spTree>
     <p:extLst>
       <p:ext uri="{BB962C8B-B14F-4D97-AF65-F5344CB8AC3E}">
@@ -4794,12 +4909,12 @@
           <a:p>
             <a:pPr algn="ctr"/>
             <a:r>
-              <a:rPr lang="de-DE" sz="1200" smtClean="0"/>
-              <a:t>Herstellung Connection </a:t>
-            </a:r>
-            <a:r>
               <a:rPr lang="de-DE" sz="1200" dirty="0" smtClean="0"/>
-              <a:t>zur </a:t>
+              <a:t>Herstellen </a:t>
+            </a:r>
+            <a:r>
+              <a:rPr lang="de-DE" sz="1200" dirty="0" smtClean="0"/>
+              <a:t>Connection zur </a:t>
             </a:r>
             <a:r>
               <a:rPr lang="de-DE" sz="1200" dirty="0" err="1" smtClean="0"/>
@@ -4852,8 +4967,12 @@
               <a:t>Listner</a:t>
             </a:r>
             <a:r>
-              <a:rPr lang="de-DE" sz="1200" dirty="0" smtClean="0"/>
+              <a:rPr lang="de-DE" sz="1200" smtClean="0"/>
               <a:t> </a:t>
+            </a:r>
+            <a:r>
+              <a:rPr lang="de-DE" sz="1200" smtClean="0"/>
+              <a:t>senden</a:t>
             </a:r>
             <a:endParaRPr lang="de-DE" sz="1200" dirty="0"/>
           </a:p>
@@ -4937,7 +5056,15 @@
             <a:pPr algn="ctr"/>
             <a:r>
               <a:rPr lang="de-DE" sz="1200" dirty="0" smtClean="0"/>
-              <a:t>Event &amp; Channel Angabe</a:t>
+              <a:t>Angeben Event </a:t>
+            </a:r>
+            <a:r>
+              <a:rPr lang="de-DE" sz="1200" dirty="0" smtClean="0"/>
+              <a:t>&amp; </a:t>
+            </a:r>
+            <a:r>
+              <a:rPr lang="de-DE" sz="1200" dirty="0" smtClean="0"/>
+              <a:t>Channel</a:t>
             </a:r>
             <a:endParaRPr lang="de-DE" sz="1200" dirty="0"/>
           </a:p>
@@ -5720,7 +5847,15 @@
             <a:pPr algn="ctr"/>
             <a:r>
               <a:rPr lang="de-DE" sz="1200" dirty="0" smtClean="0"/>
-              <a:t>Zug in DB speichern</a:t>
+              <a:t>Zug in </a:t>
+            </a:r>
+            <a:r>
+              <a:rPr lang="de-DE" sz="1200" dirty="0" smtClean="0"/>
+              <a:t>Datenbank </a:t>
+            </a:r>
+            <a:r>
+              <a:rPr lang="de-DE" sz="1200" dirty="0" smtClean="0"/>
+              <a:t>speichern</a:t>
             </a:r>
             <a:endParaRPr lang="de-DE" sz="1200" dirty="0"/>
           </a:p>
@@ -5886,7 +6021,11 @@
             <a:pPr algn="ctr"/>
             <a:r>
               <a:rPr lang="de-DE" sz="1200" dirty="0" smtClean="0"/>
-              <a:t>Spieler1 oder Spieler2?</a:t>
+              <a:t>Spielt Spieler1 </a:t>
+            </a:r>
+            <a:r>
+              <a:rPr lang="de-DE" sz="1200" dirty="0" smtClean="0"/>
+              <a:t>oder Spieler2?</a:t>
             </a:r>
             <a:endParaRPr lang="de-DE" sz="1200" dirty="0"/>
           </a:p>
@@ -5928,7 +6067,11 @@
             <a:pPr algn="ctr"/>
             <a:r>
               <a:rPr lang="de-DE" sz="1200" dirty="0" smtClean="0"/>
-              <a:t>Zug im Feld speichern</a:t>
+              <a:t>Zug im Feld </a:t>
+            </a:r>
+            <a:r>
+              <a:rPr lang="de-DE" sz="1200" dirty="0" smtClean="0"/>
+              <a:t>anzeigen</a:t>
             </a:r>
             <a:endParaRPr lang="de-DE" sz="1200" dirty="0"/>
           </a:p>
@@ -6012,7 +6155,15 @@
             <a:pPr algn="ctr"/>
             <a:r>
               <a:rPr lang="de-DE" sz="1200" dirty="0" smtClean="0"/>
-              <a:t>Zug in DB speichern</a:t>
+              <a:t>Zug in </a:t>
+            </a:r>
+            <a:r>
+              <a:rPr lang="de-DE" sz="1200" dirty="0" smtClean="0"/>
+              <a:t>Datenbank </a:t>
+            </a:r>
+            <a:r>
+              <a:rPr lang="de-DE" sz="1200" dirty="0" smtClean="0"/>
+              <a:t>speichern</a:t>
             </a:r>
             <a:endParaRPr lang="de-DE" sz="1200" dirty="0"/>
           </a:p>
@@ -6054,7 +6205,11 @@
             <a:pPr algn="ctr"/>
             <a:r>
               <a:rPr lang="de-DE" sz="1200" dirty="0" smtClean="0"/>
-              <a:t>Zug im Feld speichern</a:t>
+              <a:t>Zug im Feld </a:t>
+            </a:r>
+            <a:r>
+              <a:rPr lang="de-DE" sz="1200" dirty="0" smtClean="0"/>
+              <a:t>anzeigen</a:t>
             </a:r>
             <a:endParaRPr lang="de-DE" sz="1200" dirty="0"/>
           </a:p>
@@ -6126,8 +6281,12 @@
           <a:p>
             <a:pPr algn="ctr"/>
             <a:r>
+              <a:rPr lang="en-US" sz="3200" b="1" dirty="0" smtClean="0"/>
+              <a:t>Zug </a:t>
+            </a:r>
+            <a:r>
               <a:rPr lang="en-US" sz="3200" b="1" dirty="0" err="1" smtClean="0"/>
-              <a:t>Zugablauf</a:t>
+              <a:t>spielen</a:t>
             </a:r>
             <a:endParaRPr lang="en-US" sz="3200" b="1" dirty="0"/>
           </a:p>
